--- a/powerpoint/commons_wall/CommonsWallTemplate.pptx
+++ b/powerpoint/commons_wall/CommonsWallTemplate.pptx
@@ -314,7 +314,7 @@
             <a:fld id="{8D490E0F-C1B4-4F45-AB47-7511FE319587}" type="datetimeFigureOut">
               <a:rPr lang="en-US" smtClean="0"/>
               <a:pPr/>
-              <a:t>1/27/16</a:t>
+              <a:t>2/29/16</a:t>
             </a:fld>
             <a:endParaRPr lang="en-US" dirty="0"/>
           </a:p>
@@ -499,7 +499,7 @@
           <a:p>
             <a:fld id="{8D490E0F-C1B4-4F45-AB47-7511FE319587}" type="datetimeFigureOut">
               <a:rPr lang="en-US" smtClean="0"/>
-              <a:t>1/27/16</a:t>
+              <a:t>2/29/16</a:t>
             </a:fld>
             <a:endParaRPr lang="en-US"/>
           </a:p>
@@ -679,7 +679,7 @@
           <a:p>
             <a:fld id="{8D490E0F-C1B4-4F45-AB47-7511FE319587}" type="datetimeFigureOut">
               <a:rPr lang="en-US" smtClean="0"/>
-              <a:t>1/27/16</a:t>
+              <a:t>2/29/16</a:t>
             </a:fld>
             <a:endParaRPr lang="en-US"/>
           </a:p>
@@ -891,7 +891,7 @@
           <a:p>
             <a:fld id="{8D490E0F-C1B4-4F45-AB47-7511FE319587}" type="datetimeFigureOut">
               <a:rPr lang="en-US" smtClean="0"/>
-              <a:t>1/27/16</a:t>
+              <a:t>2/29/16</a:t>
             </a:fld>
             <a:endParaRPr lang="en-US"/>
           </a:p>
@@ -1137,7 +1137,7 @@
           <a:p>
             <a:fld id="{8D490E0F-C1B4-4F45-AB47-7511FE319587}" type="datetimeFigureOut">
               <a:rPr lang="en-US" smtClean="0"/>
-              <a:t>1/27/16</a:t>
+              <a:t>2/29/16</a:t>
             </a:fld>
             <a:endParaRPr lang="en-US"/>
           </a:p>
@@ -1425,7 +1425,7 @@
           <a:p>
             <a:fld id="{8D490E0F-C1B4-4F45-AB47-7511FE319587}" type="datetimeFigureOut">
               <a:rPr lang="en-US" smtClean="0"/>
-              <a:t>1/27/16</a:t>
+              <a:t>2/29/16</a:t>
             </a:fld>
             <a:endParaRPr lang="en-US"/>
           </a:p>
@@ -1847,7 +1847,7 @@
           <a:p>
             <a:fld id="{8D490E0F-C1B4-4F45-AB47-7511FE319587}" type="datetimeFigureOut">
               <a:rPr lang="en-US" smtClean="0"/>
-              <a:t>1/27/16</a:t>
+              <a:t>2/29/16</a:t>
             </a:fld>
             <a:endParaRPr lang="en-US"/>
           </a:p>
@@ -1965,7 +1965,7 @@
           <a:p>
             <a:fld id="{8D490E0F-C1B4-4F45-AB47-7511FE319587}" type="datetimeFigureOut">
               <a:rPr lang="en-US" smtClean="0"/>
-              <a:t>1/27/16</a:t>
+              <a:t>2/29/16</a:t>
             </a:fld>
             <a:endParaRPr lang="en-US"/>
           </a:p>
@@ -2060,7 +2060,7 @@
           <a:p>
             <a:fld id="{8D490E0F-C1B4-4F45-AB47-7511FE319587}" type="datetimeFigureOut">
               <a:rPr lang="en-US" smtClean="0"/>
-              <a:t>1/27/16</a:t>
+              <a:t>2/29/16</a:t>
             </a:fld>
             <a:endParaRPr lang="en-US"/>
           </a:p>
@@ -2337,7 +2337,7 @@
           <a:p>
             <a:fld id="{8D490E0F-C1B4-4F45-AB47-7511FE319587}" type="datetimeFigureOut">
               <a:rPr lang="en-US" smtClean="0"/>
-              <a:t>1/27/16</a:t>
+              <a:t>2/29/16</a:t>
             </a:fld>
             <a:endParaRPr lang="en-US"/>
           </a:p>
@@ -2594,7 +2594,7 @@
           <a:p>
             <a:fld id="{8D490E0F-C1B4-4F45-AB47-7511FE319587}" type="datetimeFigureOut">
               <a:rPr lang="en-US" smtClean="0"/>
-              <a:t>1/27/16</a:t>
+              <a:t>2/29/16</a:t>
             </a:fld>
             <a:endParaRPr lang="en-US"/>
           </a:p>
@@ -2807,7 +2807,7 @@
           <a:p>
             <a:fld id="{8D490E0F-C1B4-4F45-AB47-7511FE319587}" type="datetimeFigureOut">
               <a:rPr lang="en-US" smtClean="0"/>
-              <a:t>1/27/16</a:t>
+              <a:t>2/29/16</a:t>
             </a:fld>
             <a:endParaRPr lang="en-US"/>
           </a:p>
@@ -3392,8 +3392,13 @@
           <a:p>
             <a:r>
               <a:rPr lang="en-US" dirty="0" smtClean="0"/>
-              <a:t>Use high resolution imagery – the native resolution of the Commons Wall is 2880 x 2400</a:t>
-            </a:r>
+              <a:t>Use high resolution imagery – the native resolution of the Commons Wall is </a:t>
+            </a:r>
+            <a:r>
+              <a:rPr lang="en-US" dirty="0" smtClean="0"/>
+              <a:t>2880 pixels wide x 2400 pixels tall</a:t>
+            </a:r>
+            <a:endParaRPr lang="en-US" dirty="0" smtClean="0"/>
           </a:p>
           <a:p>
             <a:r>
